--- a/assets/template.pptx
+++ b/assets/template.pptx
@@ -437,8 +437,8 @@
         </p:nvSpPr>
         <p:spPr>
           <a:xfrm>
-            <a:off x="377874" y="7230953"/>
-            <a:ext cx="457200" cy="457200"/>
+            <a:off x="377874" y="6742931"/>
+            <a:ext cx="914400" cy="914400"/>
           </a:xfrm>
         </p:spPr>
         <p:txBody>
@@ -639,7 +639,7 @@
           <a:p>
             <a:fld id="{C0EF599D-5EC7-4B42-89DD-221BAC08CC70}" type="datetimeFigureOut">
               <a:rPr lang="hu-HU" smtClean="0"/>
-              <a:t>2024. 11. 11.</a:t>
+              <a:t>2024. 11. 13.</a:t>
             </a:fld>
             <a:endParaRPr lang="hu-HU"/>
           </a:p>
@@ -1810,7 +1810,7 @@
         <p:spPr/>
         <p:txBody>
           <a:bodyPr>
-            <a:normAutofit lnSpcReduction="10000"/>
+            <a:normAutofit/>
           </a:bodyPr>
           <a:lstStyle/>
           <a:p>
